--- a/Bachelor/1_Ausarbeitung/2_RT_Edge/img/RT_Edge.pptx
+++ b/Bachelor/1_Ausarbeitung/2_RT_Edge/img/RT_Edge.pptx
@@ -256,7 +256,7 @@
           <a:p>
             <a:fld id="{C7F87944-48CA-44D6-9C3F-1443EDA25228}" type="datetimeFigureOut">
               <a:rPr lang="de-DE" smtClean="0"/>
-              <a:t>15.05.2017</a:t>
+              <a:t>19.05.2017</a:t>
             </a:fld>
             <a:endParaRPr lang="de-DE"/>
           </a:p>
@@ -426,7 +426,7 @@
           <a:p>
             <a:fld id="{C7F87944-48CA-44D6-9C3F-1443EDA25228}" type="datetimeFigureOut">
               <a:rPr lang="de-DE" smtClean="0"/>
-              <a:t>15.05.2017</a:t>
+              <a:t>19.05.2017</a:t>
             </a:fld>
             <a:endParaRPr lang="de-DE"/>
           </a:p>
@@ -606,7 +606,7 @@
           <a:p>
             <a:fld id="{C7F87944-48CA-44D6-9C3F-1443EDA25228}" type="datetimeFigureOut">
               <a:rPr lang="de-DE" smtClean="0"/>
-              <a:t>15.05.2017</a:t>
+              <a:t>19.05.2017</a:t>
             </a:fld>
             <a:endParaRPr lang="de-DE"/>
           </a:p>
@@ -776,7 +776,7 @@
           <a:p>
             <a:fld id="{C7F87944-48CA-44D6-9C3F-1443EDA25228}" type="datetimeFigureOut">
               <a:rPr lang="de-DE" smtClean="0"/>
-              <a:t>15.05.2017</a:t>
+              <a:t>19.05.2017</a:t>
             </a:fld>
             <a:endParaRPr lang="de-DE"/>
           </a:p>
@@ -1022,7 +1022,7 @@
           <a:p>
             <a:fld id="{C7F87944-48CA-44D6-9C3F-1443EDA25228}" type="datetimeFigureOut">
               <a:rPr lang="de-DE" smtClean="0"/>
-              <a:t>15.05.2017</a:t>
+              <a:t>19.05.2017</a:t>
             </a:fld>
             <a:endParaRPr lang="de-DE"/>
           </a:p>
@@ -1254,7 +1254,7 @@
           <a:p>
             <a:fld id="{C7F87944-48CA-44D6-9C3F-1443EDA25228}" type="datetimeFigureOut">
               <a:rPr lang="de-DE" smtClean="0"/>
-              <a:t>15.05.2017</a:t>
+              <a:t>19.05.2017</a:t>
             </a:fld>
             <a:endParaRPr lang="de-DE"/>
           </a:p>
@@ -1621,7 +1621,7 @@
           <a:p>
             <a:fld id="{C7F87944-48CA-44D6-9C3F-1443EDA25228}" type="datetimeFigureOut">
               <a:rPr lang="de-DE" smtClean="0"/>
-              <a:t>15.05.2017</a:t>
+              <a:t>19.05.2017</a:t>
             </a:fld>
             <a:endParaRPr lang="de-DE"/>
           </a:p>
@@ -1739,7 +1739,7 @@
           <a:p>
             <a:fld id="{C7F87944-48CA-44D6-9C3F-1443EDA25228}" type="datetimeFigureOut">
               <a:rPr lang="de-DE" smtClean="0"/>
-              <a:t>15.05.2017</a:t>
+              <a:t>19.05.2017</a:t>
             </a:fld>
             <a:endParaRPr lang="de-DE"/>
           </a:p>
@@ -1834,7 +1834,7 @@
           <a:p>
             <a:fld id="{C7F87944-48CA-44D6-9C3F-1443EDA25228}" type="datetimeFigureOut">
               <a:rPr lang="de-DE" smtClean="0"/>
-              <a:t>15.05.2017</a:t>
+              <a:t>19.05.2017</a:t>
             </a:fld>
             <a:endParaRPr lang="de-DE"/>
           </a:p>
@@ -2111,7 +2111,7 @@
           <a:p>
             <a:fld id="{C7F87944-48CA-44D6-9C3F-1443EDA25228}" type="datetimeFigureOut">
               <a:rPr lang="de-DE" smtClean="0"/>
-              <a:t>15.05.2017</a:t>
+              <a:t>19.05.2017</a:t>
             </a:fld>
             <a:endParaRPr lang="de-DE"/>
           </a:p>
@@ -2364,7 +2364,7 @@
           <a:p>
             <a:fld id="{C7F87944-48CA-44D6-9C3F-1443EDA25228}" type="datetimeFigureOut">
               <a:rPr lang="de-DE" smtClean="0"/>
-              <a:t>15.05.2017</a:t>
+              <a:t>19.05.2017</a:t>
             </a:fld>
             <a:endParaRPr lang="de-DE"/>
           </a:p>
@@ -2577,7 +2577,7 @@
           <a:p>
             <a:fld id="{C7F87944-48CA-44D6-9C3F-1443EDA25228}" type="datetimeFigureOut">
               <a:rPr lang="de-DE" smtClean="0"/>
-              <a:t>15.05.2017</a:t>
+              <a:t>19.05.2017</a:t>
             </a:fld>
             <a:endParaRPr lang="de-DE"/>
           </a:p>
@@ -3052,8 +3052,8 @@
         </p:nvCxnSpPr>
         <p:spPr>
           <a:xfrm rot="5400000">
-            <a:off x="6217307" y="3465492"/>
-            <a:ext cx="1988786" cy="904843"/>
+            <a:off x="6621292" y="3737614"/>
+            <a:ext cx="1182859" cy="902803"/>
           </a:xfrm>
           <a:prstGeom prst="bentConnector2">
             <a:avLst/>
@@ -3085,18 +3085,18 @@
           <p:cNvPr id="37" name="Gerade Verbindung mit Pfeil 11"/>
           <p:cNvCxnSpPr>
             <a:stCxn id="24" idx="1"/>
-            <a:endCxn id="27" idx="1"/>
+            <a:endCxn id="49" idx="1"/>
           </p:cNvCxnSpPr>
           <p:nvPr/>
         </p:nvCxnSpPr>
         <p:spPr>
           <a:xfrm rot="10800000">
-            <a:off x="3275813" y="2414728"/>
-            <a:ext cx="2763295" cy="2497579"/>
+            <a:off x="3263194" y="2409015"/>
+            <a:ext cx="2828428" cy="2371430"/>
           </a:xfrm>
           <a:prstGeom prst="bentConnector3">
             <a:avLst>
-              <a:gd name="adj1" fmla="val 132225"/>
+              <a:gd name="adj1" fmla="val 131790"/>
             </a:avLst>
           </a:prstGeom>
           <a:ln w="63500">
@@ -3131,7 +3131,7 @@
             </p:nvSpPr>
             <p:spPr>
               <a:xfrm>
-                <a:off x="5372614" y="4350481"/>
+                <a:off x="5398928" y="4283528"/>
                 <a:ext cx="616017" cy="523220"/>
               </a:xfrm>
               <a:prstGeom prst="rect">
@@ -3196,7 +3196,7 @@
             </p:nvSpPr>
             <p:spPr>
               <a:xfrm>
-                <a:off x="5372614" y="4350481"/>
+                <a:off x="5398928" y="4283528"/>
                 <a:ext cx="616017" cy="523220"/>
               </a:xfrm>
               <a:prstGeom prst="rect">
@@ -3275,7 +3275,7 @@
         <p:spPr>
           <a:xfrm>
             <a:off x="6681527" y="2414727"/>
-            <a:ext cx="1972164" cy="0"/>
+            <a:ext cx="1898429" cy="0"/>
           </a:xfrm>
           <a:prstGeom prst="straightConnector1">
             <a:avLst/>
@@ -3306,14 +3306,14 @@
         <p:nvCxnSpPr>
           <p:cNvPr id="67" name="Gerade Verbindung mit Pfeil 11"/>
           <p:cNvCxnSpPr>
-            <a:endCxn id="25" idx="3"/>
+            <a:endCxn id="43" idx="3"/>
           </p:cNvCxnSpPr>
           <p:nvPr/>
         </p:nvCxnSpPr>
         <p:spPr>
           <a:xfrm rot="5400000">
-            <a:off x="6561856" y="2550251"/>
-            <a:ext cx="1249215" cy="955315"/>
+            <a:off x="6571789" y="2508168"/>
+            <a:ext cx="1197200" cy="987466"/>
           </a:xfrm>
           <a:prstGeom prst="bentConnector2">
             <a:avLst/>
@@ -3466,15 +3466,15 @@
         <p:nvCxnSpPr>
           <p:cNvPr id="69" name="Gerade Verbindung mit Pfeil 68"/>
           <p:cNvCxnSpPr>
-            <a:stCxn id="27" idx="3"/>
+            <a:stCxn id="49" idx="3"/>
             <a:endCxn id="68" idx="2"/>
           </p:cNvCxnSpPr>
           <p:nvPr/>
         </p:nvCxnSpPr>
         <p:spPr>
           <a:xfrm flipV="1">
-            <a:off x="3840480" y="2403302"/>
-            <a:ext cx="424686" cy="11425"/>
+            <a:off x="3827862" y="2403302"/>
+            <a:ext cx="437304" cy="5713"/>
           </a:xfrm>
           <a:prstGeom prst="straightConnector1">
             <a:avLst/>
@@ -3505,15 +3505,15 @@
         <p:nvCxnSpPr>
           <p:cNvPr id="70" name="Gerade Verbindung mit Pfeil 11"/>
           <p:cNvCxnSpPr>
-            <a:stCxn id="25" idx="1"/>
+            <a:stCxn id="43" idx="1"/>
             <a:endCxn id="68" idx="4"/>
           </p:cNvCxnSpPr>
           <p:nvPr/>
         </p:nvCxnSpPr>
         <p:spPr>
           <a:xfrm rot="10800000">
-            <a:off x="4515351" y="2653488"/>
-            <a:ext cx="1628786" cy="999029"/>
+            <a:off x="4515352" y="2653487"/>
+            <a:ext cx="1596637" cy="947014"/>
           </a:xfrm>
           <a:prstGeom prst="bentConnector2">
             <a:avLst/>
@@ -3870,13 +3870,15 @@
       <p:cxnSp>
         <p:nvCxnSpPr>
           <p:cNvPr id="78" name="Gerade Verbindung mit Pfeil 77"/>
-          <p:cNvCxnSpPr/>
+          <p:cNvCxnSpPr>
+            <a:stCxn id="28" idx="3"/>
+          </p:cNvCxnSpPr>
           <p:nvPr/>
         </p:nvCxnSpPr>
         <p:spPr>
           <a:xfrm>
-            <a:off x="9218359" y="2414727"/>
-            <a:ext cx="1571561" cy="0"/>
+            <a:off x="9144624" y="2414727"/>
+            <a:ext cx="1645296" cy="0"/>
           </a:xfrm>
           <a:prstGeom prst="straightConnector1">
             <a:avLst/>
@@ -3911,8 +3913,8 @@
         </p:nvSpPr>
         <p:spPr>
           <a:xfrm>
-            <a:off x="6039107" y="4547463"/>
-            <a:ext cx="720171" cy="729686"/>
+            <a:off x="6091622" y="4432896"/>
+            <a:ext cx="669697" cy="695097"/>
           </a:xfrm>
           <a:prstGeom prst="rect">
             <a:avLst/>
@@ -3948,7 +3950,7 @@
           <a:p>
             <a:pPr algn="just"/>
             <a:r>
-              <a:rPr lang="de-DE" sz="4000" b="1" i="1" dirty="0">
+              <a:rPr lang="de-DE" sz="4000" b="1" dirty="0">
                 <a:solidFill>
                   <a:sysClr val="windowText" lastClr="000000"/>
                 </a:solidFill>
@@ -3958,7 +3960,7 @@
               <a:t>-</a:t>
             </a:r>
             <a:r>
-              <a:rPr lang="de-DE" sz="4000" b="1" i="1" dirty="0" smtClean="0">
+              <a:rPr lang="de-DE" sz="4000" b="1" dirty="0" smtClean="0">
                 <a:solidFill>
                   <a:sysClr val="windowText" lastClr="000000"/>
                 </a:solidFill>
@@ -3967,7 +3969,7 @@
               </a:rPr>
               <a:t>K</a:t>
             </a:r>
-            <a:endParaRPr lang="de-DE" sz="4000" b="1" i="1" dirty="0">
+            <a:endParaRPr lang="de-DE" sz="4000" b="1" dirty="0">
               <a:solidFill>
                 <a:sysClr val="windowText" lastClr="000000"/>
               </a:solidFill>
@@ -3979,14 +3981,14 @@
       </p:sp>
       <p:sp>
         <p:nvSpPr>
-          <p:cNvPr id="25" name="Rechteck 24"/>
+          <p:cNvPr id="28" name="Rechteck 27"/>
           <p:cNvSpPr/>
           <p:nvPr/>
         </p:nvSpPr>
         <p:spPr>
           <a:xfrm>
-            <a:off x="6144137" y="3287673"/>
-            <a:ext cx="564668" cy="729686"/>
+            <a:off x="8579956" y="2107212"/>
+            <a:ext cx="564668" cy="615029"/>
           </a:xfrm>
           <a:prstGeom prst="rect">
             <a:avLst/>
@@ -4022,135 +4024,7 @@
           <a:p>
             <a:pPr algn="ctr"/>
             <a:r>
-              <a:rPr lang="de-DE" sz="4000" b="1" i="1" dirty="0" smtClean="0">
-                <a:solidFill>
-                  <a:sysClr val="windowText" lastClr="000000"/>
-                </a:solidFill>
-                <a:latin typeface="Cambria Math" panose="02040503050406030204" pitchFamily="18" charset="0"/>
-                <a:ea typeface="Cambria Math" panose="02040503050406030204" pitchFamily="18" charset="0"/>
-              </a:rPr>
-              <a:t>A</a:t>
-            </a:r>
-            <a:endParaRPr lang="de-DE" sz="4000" b="1" i="1" dirty="0">
-              <a:solidFill>
-                <a:sysClr val="windowText" lastClr="000000"/>
-              </a:solidFill>
-              <a:latin typeface="Cambria Math" panose="02040503050406030204" pitchFamily="18" charset="0"/>
-              <a:ea typeface="Cambria Math" panose="02040503050406030204" pitchFamily="18" charset="0"/>
-            </a:endParaRPr>
-          </a:p>
-        </p:txBody>
-      </p:sp>
-      <p:sp>
-        <p:nvSpPr>
-          <p:cNvPr id="27" name="Rechteck 26"/>
-          <p:cNvSpPr/>
-          <p:nvPr/>
-        </p:nvSpPr>
-        <p:spPr>
-          <a:xfrm>
-            <a:off x="3275812" y="2049884"/>
-            <a:ext cx="564668" cy="729686"/>
-          </a:xfrm>
-          <a:prstGeom prst="rect">
-            <a:avLst/>
-          </a:prstGeom>
-          <a:solidFill>
-            <a:schemeClr val="bg1"/>
-          </a:solidFill>
-          <a:ln>
-            <a:solidFill>
-              <a:schemeClr val="tx1"/>
-            </a:solidFill>
-          </a:ln>
-        </p:spPr>
-        <p:style>
-          <a:lnRef idx="2">
-            <a:schemeClr val="accent1">
-              <a:shade val="50000"/>
-            </a:schemeClr>
-          </a:lnRef>
-          <a:fillRef idx="1">
-            <a:schemeClr val="accent1"/>
-          </a:fillRef>
-          <a:effectRef idx="0">
-            <a:schemeClr val="accent1"/>
-          </a:effectRef>
-          <a:fontRef idx="minor">
-            <a:schemeClr val="lt1"/>
-          </a:fontRef>
-        </p:style>
-        <p:txBody>
-          <a:bodyPr rtlCol="0" anchor="ctr"/>
-          <a:lstStyle/>
-          <a:p>
-            <a:pPr algn="just"/>
-            <a:r>
-              <a:rPr lang="de-DE" sz="4000" b="1" i="1" dirty="0" smtClean="0">
-                <a:solidFill>
-                  <a:sysClr val="windowText" lastClr="000000"/>
-                </a:solidFill>
-                <a:latin typeface="Cambria Math" panose="02040503050406030204" pitchFamily="18" charset="0"/>
-                <a:ea typeface="Cambria Math" panose="02040503050406030204" pitchFamily="18" charset="0"/>
-              </a:rPr>
-              <a:t>B</a:t>
-            </a:r>
-            <a:endParaRPr lang="de-DE" sz="4000" b="1" i="1" dirty="0">
-              <a:solidFill>
-                <a:sysClr val="windowText" lastClr="000000"/>
-              </a:solidFill>
-              <a:latin typeface="Cambria Math" panose="02040503050406030204" pitchFamily="18" charset="0"/>
-              <a:ea typeface="Cambria Math" panose="02040503050406030204" pitchFamily="18" charset="0"/>
-            </a:endParaRPr>
-          </a:p>
-        </p:txBody>
-      </p:sp>
-      <p:sp>
-        <p:nvSpPr>
-          <p:cNvPr id="28" name="Rechteck 27"/>
-          <p:cNvSpPr/>
-          <p:nvPr/>
-        </p:nvSpPr>
-        <p:spPr>
-          <a:xfrm>
-            <a:off x="8653691" y="2049884"/>
-            <a:ext cx="564668" cy="729686"/>
-          </a:xfrm>
-          <a:prstGeom prst="rect">
-            <a:avLst/>
-          </a:prstGeom>
-          <a:solidFill>
-            <a:schemeClr val="bg1"/>
-          </a:solidFill>
-          <a:ln>
-            <a:solidFill>
-              <a:schemeClr val="tx1"/>
-            </a:solidFill>
-          </a:ln>
-        </p:spPr>
-        <p:style>
-          <a:lnRef idx="2">
-            <a:schemeClr val="accent1">
-              <a:shade val="50000"/>
-            </a:schemeClr>
-          </a:lnRef>
-          <a:fillRef idx="1">
-            <a:schemeClr val="accent1"/>
-          </a:fillRef>
-          <a:effectRef idx="0">
-            <a:schemeClr val="accent1"/>
-          </a:effectRef>
-          <a:fontRef idx="minor">
-            <a:schemeClr val="lt1"/>
-          </a:fontRef>
-        </p:style>
-        <p:txBody>
-          <a:bodyPr rtlCol="0" anchor="ctr"/>
-          <a:lstStyle/>
-          <a:p>
-            <a:pPr algn="just"/>
-            <a:r>
-              <a:rPr lang="de-DE" sz="4000" b="1" i="1" dirty="0" smtClean="0">
+              <a:rPr lang="de-DE" sz="4000" b="1" dirty="0" smtClean="0">
                 <a:solidFill>
                   <a:sysClr val="windowText" lastClr="000000"/>
                 </a:solidFill>
@@ -4159,7 +4033,7 @@
               </a:rPr>
               <a:t>C</a:t>
             </a:r>
-            <a:endParaRPr lang="de-DE" sz="4000" b="1" i="1" dirty="0">
+            <a:endParaRPr lang="de-DE" sz="4000" b="1" dirty="0">
               <a:solidFill>
                 <a:sysClr val="windowText" lastClr="000000"/>
               </a:solidFill>
@@ -4224,7 +4098,7 @@
                       <m:f>
                         <m:fPr>
                           <m:ctrlPr>
-                            <a:rPr lang="de-DE" sz="2400" b="1" i="1">
+                            <a:rPr lang="de-DE" sz="2400" b="1">
                               <a:solidFill>
                                 <a:sysClr val="windowText" lastClr="000000"/>
                               </a:solidFill>
@@ -4234,7 +4108,7 @@
                         </m:fPr>
                         <m:num>
                           <m:r>
-                            <a:rPr lang="de-DE" sz="2400" b="1" i="1">
+                            <a:rPr lang="de-DE" sz="2400" b="1" i="0">
                               <a:solidFill>
                                 <a:sysClr val="windowText" lastClr="000000"/>
                               </a:solidFill>
@@ -4245,20 +4119,20 @@
                         </m:num>
                         <m:den>
                           <m:r>
-                            <a:rPr lang="de-DE" sz="2400" b="1" i="1">
+                            <a:rPr lang="de-DE" sz="2400" b="1" i="0">
                               <a:solidFill>
                                 <a:sysClr val="windowText" lastClr="000000"/>
                               </a:solidFill>
                               <a:latin typeface="Cambria Math" panose="02040503050406030204" pitchFamily="18" charset="0"/>
                             </a:rPr>
-                            <m:t>𝒛</m:t>
+                            <m:t>𝐳</m:t>
                           </m:r>
                         </m:den>
                       </m:f>
                     </m:oMath>
                   </m:oMathPara>
                 </a14:m>
-                <a:endParaRPr lang="de-DE" sz="4000" b="1" i="1" dirty="0">
+                <a:endParaRPr lang="de-DE" sz="4000" b="1" dirty="0">
                   <a:solidFill>
                     <a:sysClr val="windowText" lastClr="000000"/>
                   </a:solidFill>
@@ -4313,6 +4187,134 @@
           </p:sp>
         </mc:Fallback>
       </mc:AlternateContent>
+      <p:sp>
+        <p:nvSpPr>
+          <p:cNvPr id="43" name="Rechteck 42"/>
+          <p:cNvSpPr/>
+          <p:nvPr/>
+        </p:nvSpPr>
+        <p:spPr>
+          <a:xfrm>
+            <a:off x="6111988" y="3292986"/>
+            <a:ext cx="564668" cy="615029"/>
+          </a:xfrm>
+          <a:prstGeom prst="rect">
+            <a:avLst/>
+          </a:prstGeom>
+          <a:solidFill>
+            <a:schemeClr val="bg1"/>
+          </a:solidFill>
+          <a:ln>
+            <a:solidFill>
+              <a:schemeClr val="tx1"/>
+            </a:solidFill>
+          </a:ln>
+        </p:spPr>
+        <p:style>
+          <a:lnRef idx="2">
+            <a:schemeClr val="accent1">
+              <a:shade val="50000"/>
+            </a:schemeClr>
+          </a:lnRef>
+          <a:fillRef idx="1">
+            <a:schemeClr val="accent1"/>
+          </a:fillRef>
+          <a:effectRef idx="0">
+            <a:schemeClr val="accent1"/>
+          </a:effectRef>
+          <a:fontRef idx="minor">
+            <a:schemeClr val="lt1"/>
+          </a:fontRef>
+        </p:style>
+        <p:txBody>
+          <a:bodyPr rtlCol="0" anchor="ctr"/>
+          <a:lstStyle/>
+          <a:p>
+            <a:pPr algn="ctr"/>
+            <a:r>
+              <a:rPr lang="de-DE" sz="4000" b="1" dirty="0" smtClean="0">
+                <a:solidFill>
+                  <a:sysClr val="windowText" lastClr="000000"/>
+                </a:solidFill>
+                <a:latin typeface="Cambria Math" panose="02040503050406030204" pitchFamily="18" charset="0"/>
+                <a:ea typeface="Cambria Math" panose="02040503050406030204" pitchFamily="18" charset="0"/>
+              </a:rPr>
+              <a:t>A</a:t>
+            </a:r>
+            <a:endParaRPr lang="de-DE" sz="4000" b="1" dirty="0">
+              <a:solidFill>
+                <a:sysClr val="windowText" lastClr="000000"/>
+              </a:solidFill>
+              <a:latin typeface="Cambria Math" panose="02040503050406030204" pitchFamily="18" charset="0"/>
+              <a:ea typeface="Cambria Math" panose="02040503050406030204" pitchFamily="18" charset="0"/>
+            </a:endParaRPr>
+          </a:p>
+        </p:txBody>
+      </p:sp>
+      <p:sp>
+        <p:nvSpPr>
+          <p:cNvPr id="49" name="Rechteck 48"/>
+          <p:cNvSpPr/>
+          <p:nvPr/>
+        </p:nvSpPr>
+        <p:spPr>
+          <a:xfrm>
+            <a:off x="3263194" y="2101500"/>
+            <a:ext cx="564668" cy="615029"/>
+          </a:xfrm>
+          <a:prstGeom prst="rect">
+            <a:avLst/>
+          </a:prstGeom>
+          <a:solidFill>
+            <a:schemeClr val="bg1"/>
+          </a:solidFill>
+          <a:ln>
+            <a:solidFill>
+              <a:schemeClr val="tx1"/>
+            </a:solidFill>
+          </a:ln>
+        </p:spPr>
+        <p:style>
+          <a:lnRef idx="2">
+            <a:schemeClr val="accent1">
+              <a:shade val="50000"/>
+            </a:schemeClr>
+          </a:lnRef>
+          <a:fillRef idx="1">
+            <a:schemeClr val="accent1"/>
+          </a:fillRef>
+          <a:effectRef idx="0">
+            <a:schemeClr val="accent1"/>
+          </a:effectRef>
+          <a:fontRef idx="minor">
+            <a:schemeClr val="lt1"/>
+          </a:fontRef>
+        </p:style>
+        <p:txBody>
+          <a:bodyPr rtlCol="0" anchor="ctr"/>
+          <a:lstStyle/>
+          <a:p>
+            <a:pPr algn="ctr"/>
+            <a:r>
+              <a:rPr lang="de-DE" sz="4000" b="1" dirty="0" smtClean="0">
+                <a:solidFill>
+                  <a:sysClr val="windowText" lastClr="000000"/>
+                </a:solidFill>
+                <a:latin typeface="Cambria Math" panose="02040503050406030204" pitchFamily="18" charset="0"/>
+                <a:ea typeface="Cambria Math" panose="02040503050406030204" pitchFamily="18" charset="0"/>
+              </a:rPr>
+              <a:t>B</a:t>
+            </a:r>
+            <a:endParaRPr lang="de-DE" sz="4000" b="1" dirty="0">
+              <a:solidFill>
+                <a:sysClr val="windowText" lastClr="000000"/>
+              </a:solidFill>
+              <a:latin typeface="Cambria Math" panose="02040503050406030204" pitchFamily="18" charset="0"/>
+              <a:ea typeface="Cambria Math" panose="02040503050406030204" pitchFamily="18" charset="0"/>
+            </a:endParaRPr>
+          </a:p>
+        </p:txBody>
+      </p:sp>
     </p:spTree>
     <p:extLst>
       <p:ext uri="{BB962C8B-B14F-4D97-AF65-F5344CB8AC3E}">
@@ -4408,13 +4410,14 @@
           <p:cNvPr id="9" name="Gerade Verbindung mit Pfeil 8"/>
           <p:cNvCxnSpPr>
             <a:stCxn id="20" idx="6"/>
+            <a:endCxn id="42" idx="1"/>
           </p:cNvCxnSpPr>
           <p:nvPr/>
         </p:nvCxnSpPr>
         <p:spPr>
-          <a:xfrm>
-            <a:off x="4611531" y="1135571"/>
-            <a:ext cx="1324048" cy="11425"/>
+          <a:xfrm flipV="1">
+            <a:off x="4611531" y="1131936"/>
+            <a:ext cx="1345104" cy="3635"/>
           </a:xfrm>
           <a:prstGeom prst="straightConnector1">
             <a:avLst/>
@@ -4450,9 +4453,9 @@
           <p:nvPr/>
         </p:nvCxnSpPr>
         <p:spPr>
-          <a:xfrm>
-            <a:off x="6554804" y="1146996"/>
-            <a:ext cx="1907750" cy="0"/>
+          <a:xfrm flipV="1">
+            <a:off x="6528474" y="1137387"/>
+            <a:ext cx="1817730" cy="9609"/>
           </a:xfrm>
           <a:prstGeom prst="straightConnector1">
             <a:avLst/>
@@ -4483,14 +4486,14 @@
         <p:nvCxnSpPr>
           <p:cNvPr id="12" name="Gerade Verbindung mit Pfeil 11"/>
           <p:cNvCxnSpPr>
-            <a:endCxn id="65" idx="3"/>
+            <a:endCxn id="68" idx="3"/>
           </p:cNvCxnSpPr>
           <p:nvPr/>
         </p:nvCxnSpPr>
         <p:spPr>
           <a:xfrm rot="5400000">
-            <a:off x="6428692" y="1231419"/>
-            <a:ext cx="1177272" cy="985577"/>
+            <a:off x="6468068" y="1195979"/>
+            <a:ext cx="1102457" cy="981643"/>
           </a:xfrm>
           <a:prstGeom prst="bentConnector2">
             <a:avLst/>
@@ -4649,9 +4652,9 @@
           <p:nvPr/>
         </p:nvCxnSpPr>
         <p:spPr>
-          <a:xfrm flipV="1">
-            <a:off x="3628682" y="1135571"/>
-            <a:ext cx="482479" cy="11425"/>
+          <a:xfrm>
+            <a:off x="3623444" y="1131936"/>
+            <a:ext cx="487717" cy="3635"/>
           </a:xfrm>
           <a:prstGeom prst="straightConnector1">
             <a:avLst/>
@@ -4682,15 +4685,15 @@
         <p:nvCxnSpPr>
           <p:cNvPr id="24" name="Gerade Verbindung mit Pfeil 11"/>
           <p:cNvCxnSpPr>
-            <a:stCxn id="65" idx="1"/>
+            <a:stCxn id="68" idx="1"/>
             <a:endCxn id="20" idx="4"/>
           </p:cNvCxnSpPr>
           <p:nvPr/>
         </p:nvCxnSpPr>
         <p:spPr>
           <a:xfrm rot="10800000">
-            <a:off x="4361347" y="1385757"/>
-            <a:ext cx="1598525" cy="927087"/>
+            <a:off x="4361346" y="1385757"/>
+            <a:ext cx="1602460" cy="852273"/>
           </a:xfrm>
           <a:prstGeom prst="bentConnector2">
             <a:avLst/>
@@ -4728,8 +4731,8 @@
         </p:nvCxnSpPr>
         <p:spPr>
           <a:xfrm>
-            <a:off x="9027222" y="1146996"/>
-            <a:ext cx="1646495" cy="2282560"/>
+            <a:off x="8910872" y="1137387"/>
+            <a:ext cx="1762845" cy="2292169"/>
           </a:xfrm>
           <a:prstGeom prst="bentConnector2">
             <a:avLst/>
@@ -5155,7 +5158,7 @@
         <p:spPr>
           <a:xfrm>
             <a:off x="4611531" y="4646165"/>
-            <a:ext cx="1356209" cy="11425"/>
+            <a:ext cx="1356209" cy="6980"/>
           </a:xfrm>
           <a:prstGeom prst="straightConnector1">
             <a:avLst/>
@@ -5192,9 +5195,9 @@
           <p:nvPr/>
         </p:nvCxnSpPr>
         <p:spPr>
-          <a:xfrm>
-            <a:off x="6532408" y="4657590"/>
-            <a:ext cx="1930146" cy="0"/>
+          <a:xfrm flipV="1">
+            <a:off x="6532408" y="4642531"/>
+            <a:ext cx="1930146" cy="10614"/>
           </a:xfrm>
           <a:prstGeom prst="straightConnector1">
             <a:avLst/>
@@ -5231,8 +5234,8 @@
         </p:nvCxnSpPr>
         <p:spPr>
           <a:xfrm rot="5400000">
-            <a:off x="6526761" y="4663240"/>
-            <a:ext cx="989005" cy="977709"/>
+            <a:off x="6526759" y="4648179"/>
+            <a:ext cx="989008" cy="977710"/>
           </a:xfrm>
           <a:prstGeom prst="bentConnector2">
             <a:avLst/>
@@ -5391,9 +5394,9 @@
           <p:nvPr/>
         </p:nvCxnSpPr>
         <p:spPr>
-          <a:xfrm flipV="1">
-            <a:off x="3641525" y="4646165"/>
-            <a:ext cx="469636" cy="11425"/>
+          <a:xfrm>
+            <a:off x="3656265" y="4642530"/>
+            <a:ext cx="454896" cy="3635"/>
           </a:xfrm>
           <a:prstGeom prst="straightConnector1">
             <a:avLst/>
@@ -5431,8 +5434,8 @@
         </p:nvCxnSpPr>
         <p:spPr>
           <a:xfrm rot="10800000">
-            <a:off x="4361346" y="4896351"/>
-            <a:ext cx="1606394" cy="750247"/>
+            <a:off x="4361346" y="4896350"/>
+            <a:ext cx="1606394" cy="735188"/>
           </a:xfrm>
           <a:prstGeom prst="bentConnector2">
             <a:avLst/>
@@ -5471,7 +5474,7 @@
         <p:spPr>
           <a:xfrm flipV="1">
             <a:off x="9027222" y="3929926"/>
-            <a:ext cx="1646495" cy="727664"/>
+            <a:ext cx="1646495" cy="712605"/>
           </a:xfrm>
           <a:prstGeom prst="bentConnector2">
             <a:avLst/>
@@ -5994,8 +5997,8 @@
         </p:nvCxnSpPr>
         <p:spPr>
           <a:xfrm flipH="1" flipV="1">
-            <a:off x="6514680" y="3674162"/>
-            <a:ext cx="3908852" cy="5579"/>
+            <a:off x="6528474" y="3674740"/>
+            <a:ext cx="3895058" cy="5001"/>
           </a:xfrm>
           <a:prstGeom prst="straightConnector1">
             <a:avLst/>
@@ -6148,8 +6151,8 @@
         </p:nvCxnSpPr>
         <p:spPr>
           <a:xfrm rot="10800000" flipV="1">
-            <a:off x="4361346" y="3674162"/>
-            <a:ext cx="1588666" cy="721818"/>
+            <a:off x="4361346" y="3674740"/>
+            <a:ext cx="1602460" cy="721240"/>
           </a:xfrm>
           <a:prstGeom prst="bentConnector2">
             <a:avLst/>
@@ -6185,9 +6188,9 @@
           <p:nvPr/>
         </p:nvCxnSpPr>
         <p:spPr>
-          <a:xfrm flipV="1">
-            <a:off x="1172015" y="1146996"/>
-            <a:ext cx="1891999" cy="11426"/>
+          <a:xfrm>
+            <a:off x="1236836" y="1131935"/>
+            <a:ext cx="1821940" cy="1"/>
           </a:xfrm>
           <a:prstGeom prst="straightConnector1">
             <a:avLst/>
@@ -6224,8 +6227,8 @@
         </p:nvCxnSpPr>
         <p:spPr>
           <a:xfrm rot="16200000" flipH="1">
-            <a:off x="679995" y="2260728"/>
-            <a:ext cx="3499168" cy="1294555"/>
+            <a:off x="695885" y="2246817"/>
+            <a:ext cx="3483405" cy="1308019"/>
           </a:xfrm>
           <a:prstGeom prst="bentConnector2">
             <a:avLst/>
@@ -6533,7 +6536,7 @@
             </p:nvSpPr>
             <p:spPr>
               <a:xfrm>
-                <a:off x="5962855" y="782153"/>
+                <a:off x="5956635" y="767093"/>
                 <a:ext cx="564668" cy="729686"/>
               </a:xfrm>
               <a:prstGeom prst="rect">
@@ -6578,7 +6581,7 @@
                       <m:f>
                         <m:fPr>
                           <m:ctrlPr>
-                            <a:rPr lang="de-DE" sz="2400" b="1" i="1">
+                            <a:rPr lang="de-DE" sz="2400" b="1">
                               <a:solidFill>
                                 <a:sysClr val="windowText" lastClr="000000"/>
                               </a:solidFill>
@@ -6588,7 +6591,7 @@
                         </m:fPr>
                         <m:num>
                           <m:r>
-                            <a:rPr lang="de-DE" sz="2400" b="1" i="1">
+                            <a:rPr lang="de-DE" sz="2400" b="1" i="0">
                               <a:solidFill>
                                 <a:sysClr val="windowText" lastClr="000000"/>
                               </a:solidFill>
@@ -6599,20 +6602,20 @@
                         </m:num>
                         <m:den>
                           <m:r>
-                            <a:rPr lang="de-DE" sz="2400" b="1" i="1">
+                            <a:rPr lang="de-DE" sz="2400" b="1" i="0">
                               <a:solidFill>
                                 <a:sysClr val="windowText" lastClr="000000"/>
                               </a:solidFill>
                               <a:latin typeface="Cambria Math" panose="02040503050406030204" pitchFamily="18" charset="0"/>
                             </a:rPr>
-                            <m:t>𝒛</m:t>
+                            <m:t>𝐳</m:t>
                           </m:r>
                         </m:den>
                       </m:f>
                     </m:oMath>
                   </m:oMathPara>
                 </a14:m>
-                <a:endParaRPr lang="de-DE" sz="4000" b="1" i="1" dirty="0">
+                <a:endParaRPr lang="de-DE" sz="4000" b="1" dirty="0">
                   <a:solidFill>
                     <a:sysClr val="windowText" lastClr="000000"/>
                   </a:solidFill>
@@ -6634,7 +6637,7 @@
             </p:nvSpPr>
             <p:spPr>
               <a:xfrm>
-                <a:off x="5962855" y="782153"/>
+                <a:off x="5956635" y="767093"/>
                 <a:ext cx="564668" cy="729686"/>
               </a:xfrm>
               <a:prstGeom prst="rect">
@@ -6675,8 +6678,8 @@
         </p:nvSpPr>
         <p:spPr>
           <a:xfrm>
-            <a:off x="3076857" y="4292747"/>
-            <a:ext cx="564668" cy="729686"/>
+            <a:off x="3091597" y="4329303"/>
+            <a:ext cx="564668" cy="626453"/>
           </a:xfrm>
           <a:prstGeom prst="rect">
             <a:avLst/>
@@ -6710,9 +6713,9 @@
           <a:bodyPr rtlCol="0" anchor="ctr"/>
           <a:lstStyle/>
           <a:p>
-            <a:pPr algn="just"/>
+            <a:pPr algn="ctr"/>
             <a:r>
-              <a:rPr lang="de-DE" sz="4000" b="1" i="1" dirty="0" smtClean="0">
+              <a:rPr lang="de-DE" sz="4000" b="1" dirty="0" smtClean="0">
                 <a:solidFill>
                   <a:sysClr val="windowText" lastClr="000000"/>
                 </a:solidFill>
@@ -6721,7 +6724,7 @@
               </a:rPr>
               <a:t>B</a:t>
             </a:r>
-            <a:endParaRPr lang="de-DE" sz="4000" b="1" i="1" dirty="0">
+            <a:endParaRPr lang="de-DE" sz="4000" b="1" dirty="0">
               <a:solidFill>
                 <a:sysClr val="windowText" lastClr="000000"/>
               </a:solidFill>
@@ -6741,7 +6744,7 @@
             </p:nvSpPr>
             <p:spPr>
               <a:xfrm>
-                <a:off x="5967740" y="4292747"/>
+                <a:off x="5967740" y="4288302"/>
                 <a:ext cx="564668" cy="729686"/>
               </a:xfrm>
               <a:prstGeom prst="rect">
@@ -6786,7 +6789,7 @@
                       <m:f>
                         <m:fPr>
                           <m:ctrlPr>
-                            <a:rPr lang="de-DE" sz="2400" b="1" i="1">
+                            <a:rPr lang="de-DE" sz="2400" b="1">
                               <a:solidFill>
                                 <a:sysClr val="windowText" lastClr="000000"/>
                               </a:solidFill>
@@ -6796,7 +6799,7 @@
                         </m:fPr>
                         <m:num>
                           <m:r>
-                            <a:rPr lang="de-DE" sz="2400" b="1" i="1">
+                            <a:rPr lang="de-DE" sz="2400" b="1" i="0">
                               <a:solidFill>
                                 <a:sysClr val="windowText" lastClr="000000"/>
                               </a:solidFill>
@@ -6807,20 +6810,20 @@
                         </m:num>
                         <m:den>
                           <m:r>
-                            <a:rPr lang="de-DE" sz="2400" b="1" i="1">
+                            <a:rPr lang="de-DE" sz="2400" b="1" i="0">
                               <a:solidFill>
                                 <a:sysClr val="windowText" lastClr="000000"/>
                               </a:solidFill>
                               <a:latin typeface="Cambria Math" panose="02040503050406030204" pitchFamily="18" charset="0"/>
                             </a:rPr>
-                            <m:t>𝒛</m:t>
+                            <m:t>𝐳</m:t>
                           </m:r>
                         </m:den>
                       </m:f>
                     </m:oMath>
                   </m:oMathPara>
                 </a14:m>
-                <a:endParaRPr lang="de-DE" sz="4000" b="1" i="1" dirty="0">
+                <a:endParaRPr lang="de-DE" sz="4000" b="1" dirty="0">
                   <a:solidFill>
                     <a:sysClr val="windowText" lastClr="000000"/>
                   </a:solidFill>
@@ -6842,7 +6845,7 @@
             </p:nvSpPr>
             <p:spPr>
               <a:xfrm>
-                <a:off x="5967740" y="4292747"/>
+                <a:off x="5967740" y="4288302"/>
                 <a:ext cx="564668" cy="729686"/>
               </a:xfrm>
               <a:prstGeom prst="rect">
@@ -6883,8 +6886,8 @@
         </p:nvSpPr>
         <p:spPr>
           <a:xfrm>
-            <a:off x="5967740" y="5281754"/>
-            <a:ext cx="564668" cy="729686"/>
+            <a:off x="5967740" y="5318311"/>
+            <a:ext cx="564668" cy="626453"/>
           </a:xfrm>
           <a:prstGeom prst="rect">
             <a:avLst/>
@@ -6920,7 +6923,7 @@
           <a:p>
             <a:pPr algn="ctr"/>
             <a:r>
-              <a:rPr lang="de-DE" sz="4000" b="1" i="1" dirty="0" smtClean="0">
+              <a:rPr lang="de-DE" sz="4000" b="1" dirty="0" smtClean="0">
                 <a:solidFill>
                   <a:sysClr val="windowText" lastClr="000000"/>
                 </a:solidFill>
@@ -6929,7 +6932,7 @@
               </a:rPr>
               <a:t>A</a:t>
             </a:r>
-            <a:endParaRPr lang="de-DE" sz="4000" b="1" i="1" dirty="0">
+            <a:endParaRPr lang="de-DE" sz="4000" b="1" dirty="0">
               <a:solidFill>
                 <a:sysClr val="windowText" lastClr="000000"/>
               </a:solidFill>
@@ -6941,14 +6944,14 @@
       </p:sp>
       <p:sp>
         <p:nvSpPr>
-          <p:cNvPr id="65" name="Rechteck 64"/>
+          <p:cNvPr id="66" name="Rechteck 65"/>
           <p:cNvSpPr/>
           <p:nvPr/>
         </p:nvSpPr>
         <p:spPr>
           <a:xfrm>
-            <a:off x="5959871" y="1948000"/>
-            <a:ext cx="564668" cy="729686"/>
+            <a:off x="3058776" y="818709"/>
+            <a:ext cx="564668" cy="626453"/>
           </a:xfrm>
           <a:prstGeom prst="rect">
             <a:avLst/>
@@ -6984,16 +6987,16 @@
           <a:p>
             <a:pPr algn="ctr"/>
             <a:r>
-              <a:rPr lang="de-DE" sz="4000" b="1" i="1" dirty="0" smtClean="0">
+              <a:rPr lang="de-DE" sz="4000" b="1" dirty="0" smtClean="0">
                 <a:solidFill>
                   <a:sysClr val="windowText" lastClr="000000"/>
                 </a:solidFill>
                 <a:latin typeface="Cambria Math" panose="02040503050406030204" pitchFamily="18" charset="0"/>
                 <a:ea typeface="Cambria Math" panose="02040503050406030204" pitchFamily="18" charset="0"/>
               </a:rPr>
-              <a:t>A</a:t>
+              <a:t>B</a:t>
             </a:r>
-            <a:endParaRPr lang="de-DE" sz="4000" b="1" i="1" dirty="0">
+            <a:endParaRPr lang="de-DE" sz="4000" b="1" dirty="0">
               <a:solidFill>
                 <a:sysClr val="windowText" lastClr="000000"/>
               </a:solidFill>
@@ -7005,14 +7008,14 @@
       </p:sp>
       <p:sp>
         <p:nvSpPr>
-          <p:cNvPr id="66" name="Rechteck 65"/>
+          <p:cNvPr id="67" name="Rechteck 66"/>
           <p:cNvSpPr/>
           <p:nvPr/>
         </p:nvSpPr>
         <p:spPr>
           <a:xfrm>
-            <a:off x="3064014" y="782153"/>
-            <a:ext cx="564668" cy="729686"/>
+            <a:off x="8346204" y="824160"/>
+            <a:ext cx="564668" cy="626453"/>
           </a:xfrm>
           <a:prstGeom prst="rect">
             <a:avLst/>
@@ -7046,18 +7049,18 @@
           <a:bodyPr rtlCol="0" anchor="ctr"/>
           <a:lstStyle/>
           <a:p>
-            <a:pPr algn="just"/>
+            <a:pPr algn="ctr"/>
             <a:r>
-              <a:rPr lang="de-DE" sz="4000" b="1" i="1" dirty="0" smtClean="0">
+              <a:rPr lang="de-DE" sz="4000" b="1" dirty="0" smtClean="0">
                 <a:solidFill>
                   <a:sysClr val="windowText" lastClr="000000"/>
                 </a:solidFill>
                 <a:latin typeface="Cambria Math" panose="02040503050406030204" pitchFamily="18" charset="0"/>
                 <a:ea typeface="Cambria Math" panose="02040503050406030204" pitchFamily="18" charset="0"/>
               </a:rPr>
-              <a:t>B</a:t>
+              <a:t>C</a:t>
             </a:r>
-            <a:endParaRPr lang="de-DE" sz="4000" b="1" i="1" dirty="0">
+            <a:endParaRPr lang="de-DE" sz="4000" b="1" dirty="0">
               <a:solidFill>
                 <a:sysClr val="windowText" lastClr="000000"/>
               </a:solidFill>
@@ -7069,14 +7072,14 @@
       </p:sp>
       <p:sp>
         <p:nvSpPr>
-          <p:cNvPr id="67" name="Rechteck 66"/>
+          <p:cNvPr id="70" name="Rechteck 69"/>
           <p:cNvSpPr/>
           <p:nvPr/>
         </p:nvSpPr>
         <p:spPr>
           <a:xfrm>
-            <a:off x="8462554" y="782153"/>
-            <a:ext cx="564668" cy="729686"/>
+            <a:off x="8462554" y="4329304"/>
+            <a:ext cx="564668" cy="626453"/>
           </a:xfrm>
           <a:prstGeom prst="rect">
             <a:avLst/>
@@ -7110,9 +7113,9 @@
           <a:bodyPr rtlCol="0" anchor="ctr"/>
           <a:lstStyle/>
           <a:p>
-            <a:pPr algn="just"/>
+            <a:pPr algn="ctr"/>
             <a:r>
-              <a:rPr lang="de-DE" sz="4000" b="1" i="1" dirty="0" smtClean="0">
+              <a:rPr lang="de-DE" sz="4000" b="1" dirty="0" smtClean="0">
                 <a:solidFill>
                   <a:sysClr val="windowText" lastClr="000000"/>
                 </a:solidFill>
@@ -7121,7 +7124,7 @@
               </a:rPr>
               <a:t>C</a:t>
             </a:r>
-            <a:endParaRPr lang="de-DE" sz="4000" b="1" i="1" dirty="0">
+            <a:endParaRPr lang="de-DE" sz="4000" b="1" dirty="0">
               <a:solidFill>
                 <a:sysClr val="windowText" lastClr="000000"/>
               </a:solidFill>
@@ -7133,14 +7136,14 @@
       </p:sp>
       <p:sp>
         <p:nvSpPr>
-          <p:cNvPr id="70" name="Rechteck 69"/>
+          <p:cNvPr id="72" name="Rechteck 71"/>
           <p:cNvSpPr/>
           <p:nvPr/>
         </p:nvSpPr>
         <p:spPr>
           <a:xfrm>
-            <a:off x="8462554" y="4292747"/>
-            <a:ext cx="564668" cy="729686"/>
+            <a:off x="5963806" y="3361513"/>
+            <a:ext cx="564668" cy="626453"/>
           </a:xfrm>
           <a:prstGeom prst="rect">
             <a:avLst/>
@@ -7174,18 +7177,18 @@
           <a:bodyPr rtlCol="0" anchor="ctr"/>
           <a:lstStyle/>
           <a:p>
-            <a:pPr algn="just"/>
+            <a:pPr algn="ctr"/>
             <a:r>
-              <a:rPr lang="de-DE" sz="4000" b="1" i="1" dirty="0" smtClean="0">
+              <a:rPr lang="de-DE" sz="4000" b="1" dirty="0" smtClean="0">
                 <a:solidFill>
                   <a:sysClr val="windowText" lastClr="000000"/>
                 </a:solidFill>
                 <a:latin typeface="Cambria Math" panose="02040503050406030204" pitchFamily="18" charset="0"/>
                 <a:ea typeface="Cambria Math" panose="02040503050406030204" pitchFamily="18" charset="0"/>
               </a:rPr>
-              <a:t>C</a:t>
+              <a:t>L</a:t>
             </a:r>
-            <a:endParaRPr lang="de-DE" sz="4000" b="1" i="1" dirty="0">
+            <a:endParaRPr lang="de-DE" sz="4000" b="1" dirty="0">
               <a:solidFill>
                 <a:sysClr val="windowText" lastClr="000000"/>
               </a:solidFill>
@@ -7197,14 +7200,14 @@
       </p:sp>
       <p:sp>
         <p:nvSpPr>
-          <p:cNvPr id="72" name="Rechteck 71"/>
+          <p:cNvPr id="68" name="Rechteck 67"/>
           <p:cNvSpPr/>
           <p:nvPr/>
         </p:nvSpPr>
         <p:spPr>
           <a:xfrm>
-            <a:off x="5950012" y="3309319"/>
-            <a:ext cx="564668" cy="729686"/>
+            <a:off x="5963806" y="1924802"/>
+            <a:ext cx="564668" cy="626453"/>
           </a:xfrm>
           <a:prstGeom prst="rect">
             <a:avLst/>
@@ -7238,18 +7241,18 @@
           <a:bodyPr rtlCol="0" anchor="ctr"/>
           <a:lstStyle/>
           <a:p>
-            <a:pPr algn="just"/>
+            <a:pPr algn="ctr"/>
             <a:r>
-              <a:rPr lang="de-DE" sz="4000" b="1" i="1" dirty="0" smtClean="0">
+              <a:rPr lang="de-DE" sz="4000" b="1" dirty="0" smtClean="0">
                 <a:solidFill>
                   <a:sysClr val="windowText" lastClr="000000"/>
                 </a:solidFill>
                 <a:latin typeface="Cambria Math" panose="02040503050406030204" pitchFamily="18" charset="0"/>
                 <a:ea typeface="Cambria Math" panose="02040503050406030204" pitchFamily="18" charset="0"/>
               </a:rPr>
-              <a:t>L</a:t>
+              <a:t>A</a:t>
             </a:r>
-            <a:endParaRPr lang="de-DE" sz="4000" b="1" i="1" dirty="0">
+            <a:endParaRPr lang="de-DE" sz="4000" b="1" dirty="0">
               <a:solidFill>
                 <a:sysClr val="windowText" lastClr="000000"/>
               </a:solidFill>
@@ -7404,7 +7407,7 @@
                       <m:f>
                         <m:fPr>
                           <m:ctrlPr>
-                            <a:rPr lang="de-DE" sz="2000" b="1" i="1" smtClean="0">
+                            <a:rPr lang="de-DE" sz="2000" b="1" smtClean="0">
                               <a:solidFill>
                                 <a:sysClr val="windowText" lastClr="000000"/>
                               </a:solidFill>
@@ -7414,7 +7417,7 @@
                         </m:fPr>
                         <m:num>
                           <m:r>
-                            <a:rPr lang="de-DE" sz="2000" b="1" i="1" smtClean="0">
+                            <a:rPr lang="de-DE" sz="2000" b="1" i="0" smtClean="0">
                               <a:solidFill>
                                 <a:sysClr val="windowText" lastClr="000000"/>
                               </a:solidFill>
@@ -7425,20 +7428,20 @@
                         </m:num>
                         <m:den>
                           <m:r>
-                            <a:rPr lang="de-DE" sz="2000" b="1" i="1" smtClean="0">
+                            <a:rPr lang="de-DE" sz="2000" b="1" i="0" smtClean="0">
                               <a:solidFill>
                                 <a:sysClr val="windowText" lastClr="000000"/>
                               </a:solidFill>
                               <a:latin typeface="Cambria Math" panose="02040503050406030204" pitchFamily="18" charset="0"/>
                             </a:rPr>
-                            <m:t>𝒔</m:t>
+                            <m:t>𝐬</m:t>
                           </m:r>
                         </m:den>
                       </m:f>
                     </m:oMath>
                   </m:oMathPara>
                 </a14:m>
-                <a:endParaRPr lang="de-DE" sz="4000" b="1" i="1" dirty="0">
+                <a:endParaRPr lang="de-DE" sz="4000" b="1" dirty="0">
                   <a:solidFill>
                     <a:sysClr val="windowText" lastClr="000000"/>
                   </a:solidFill>
@@ -7652,8 +7655,8 @@
           </p:sp>
         </mc:Fallback>
       </mc:AlternateContent>
-      <mc:AlternateContent xmlns:mc="http://schemas.openxmlformats.org/markup-compatibility/2006">
-        <mc:Choice xmlns:a14="http://schemas.microsoft.com/office/drawing/2010/main" Requires="a14">
+      <mc:AlternateContent xmlns:mc="http://schemas.openxmlformats.org/markup-compatibility/2006" xmlns:a14="http://schemas.microsoft.com/office/drawing/2010/main">
+        <mc:Choice Requires="a14">
           <p:sp>
             <p:nvSpPr>
               <p:cNvPr id="71" name="Textfeld 70"/>
@@ -7734,7 +7737,7 @@
             </p:txBody>
           </p:sp>
         </mc:Choice>
-        <mc:Fallback>
+        <mc:Fallback xmlns="">
           <p:sp>
             <p:nvSpPr>
               <p:cNvPr id="71" name="Textfeld 70"/>
@@ -7773,8 +7776,8 @@
           </p:sp>
         </mc:Fallback>
       </mc:AlternateContent>
-      <mc:AlternateContent xmlns:mc="http://schemas.openxmlformats.org/markup-compatibility/2006">
-        <mc:Choice xmlns:a14="http://schemas.microsoft.com/office/drawing/2010/main" Requires="a14">
+      <mc:AlternateContent xmlns:mc="http://schemas.openxmlformats.org/markup-compatibility/2006" xmlns:a14="http://schemas.microsoft.com/office/drawing/2010/main">
+        <mc:Choice Requires="a14">
           <p:sp>
             <p:nvSpPr>
               <p:cNvPr id="25" name="Textfeld 24"/>
@@ -7867,7 +7870,7 @@
             </p:txBody>
           </p:sp>
         </mc:Choice>
-        <mc:Fallback>
+        <mc:Fallback xmlns="">
           <p:sp>
             <p:nvSpPr>
               <p:cNvPr id="25" name="Textfeld 24"/>
@@ -7906,8 +7909,8 @@
           </p:sp>
         </mc:Fallback>
       </mc:AlternateContent>
-      <mc:AlternateContent xmlns:mc="http://schemas.openxmlformats.org/markup-compatibility/2006">
-        <mc:Choice xmlns:a14="http://schemas.microsoft.com/office/drawing/2010/main" Requires="a14">
+      <mc:AlternateContent xmlns:mc="http://schemas.openxmlformats.org/markup-compatibility/2006" xmlns:a14="http://schemas.microsoft.com/office/drawing/2010/main">
+        <mc:Choice Requires="a14">
           <p:sp>
             <p:nvSpPr>
               <p:cNvPr id="26" name="Textfeld 25"/>
@@ -7988,7 +7991,7 @@
             </p:txBody>
           </p:sp>
         </mc:Choice>
-        <mc:Fallback>
+        <mc:Fallback xmlns="">
           <p:sp>
             <p:nvSpPr>
               <p:cNvPr id="26" name="Textfeld 25"/>
@@ -8027,8 +8030,8 @@
           </p:sp>
         </mc:Fallback>
       </mc:AlternateContent>
-      <mc:AlternateContent xmlns:mc="http://schemas.openxmlformats.org/markup-compatibility/2006" xmlns:a14="http://schemas.microsoft.com/office/drawing/2010/main">
-        <mc:Choice Requires="a14">
+      <mc:AlternateContent xmlns:mc="http://schemas.openxmlformats.org/markup-compatibility/2006">
+        <mc:Choice xmlns:a14="http://schemas.microsoft.com/office/drawing/2010/main" Requires="a14">
           <p:sp>
             <p:nvSpPr>
               <p:cNvPr id="27" name="Rechteck 26"/>
@@ -8082,7 +8085,7 @@
                       <m:f>
                         <m:fPr>
                           <m:ctrlPr>
-                            <a:rPr lang="de-DE" sz="2000" b="1" i="1" smtClean="0">
+                            <a:rPr lang="de-DE" sz="2000" b="1" smtClean="0">
                               <a:solidFill>
                                 <a:sysClr val="windowText" lastClr="000000"/>
                               </a:solidFill>
@@ -8092,7 +8095,7 @@
                         </m:fPr>
                         <m:num>
                           <m:r>
-                            <a:rPr lang="de-DE" sz="2000" b="1" i="1" smtClean="0">
+                            <a:rPr lang="de-DE" sz="2000" b="1" i="0" smtClean="0">
                               <a:solidFill>
                                 <a:sysClr val="windowText" lastClr="000000"/>
                               </a:solidFill>
@@ -8103,16 +8106,16 @@
                         </m:num>
                         <m:den>
                           <m:r>
-                            <a:rPr lang="de-DE" sz="2000" b="1" i="1" smtClean="0">
+                            <a:rPr lang="de-DE" sz="2000" b="1" i="0" smtClean="0">
                               <a:solidFill>
                                 <a:sysClr val="windowText" lastClr="000000"/>
                               </a:solidFill>
                               <a:latin typeface="Cambria Math" panose="02040503050406030204" pitchFamily="18" charset="0"/>
                             </a:rPr>
-                            <m:t>𝝉</m:t>
+                            <m:t>𝛕</m:t>
                           </m:r>
                           <m:r>
-                            <a:rPr lang="de-DE" sz="2000" b="1" i="1" smtClean="0">
+                            <a:rPr lang="de-DE" sz="2000" b="1" i="0" smtClean="0">
                               <a:solidFill>
                                 <a:sysClr val="windowText" lastClr="000000"/>
                               </a:solidFill>
@@ -8121,16 +8124,16 @@
                             <m:t>⋅</m:t>
                           </m:r>
                           <m:r>
-                            <a:rPr lang="de-DE" sz="2000" b="1" i="1" smtClean="0">
+                            <a:rPr lang="de-DE" sz="2000" b="1" i="0" smtClean="0">
                               <a:solidFill>
                                 <a:sysClr val="windowText" lastClr="000000"/>
                               </a:solidFill>
                               <a:latin typeface="Cambria Math" panose="02040503050406030204" pitchFamily="18" charset="0"/>
                             </a:rPr>
-                            <m:t>𝒔</m:t>
+                            <m:t>𝐬</m:t>
                           </m:r>
                           <m:r>
-                            <a:rPr lang="de-DE" sz="2000" b="1" i="1" smtClean="0">
+                            <a:rPr lang="de-DE" sz="2000" b="1" i="0" smtClean="0">
                               <a:solidFill>
                                 <a:sysClr val="windowText" lastClr="000000"/>
                               </a:solidFill>
@@ -8139,7 +8142,7 @@
                             <m:t>+</m:t>
                           </m:r>
                           <m:r>
-                            <a:rPr lang="de-DE" sz="2000" b="1" i="1" smtClean="0">
+                            <a:rPr lang="de-DE" sz="2000" b="1" i="0" smtClean="0">
                               <a:solidFill>
                                 <a:sysClr val="windowText" lastClr="000000"/>
                               </a:solidFill>
@@ -8152,7 +8155,7 @@
                     </m:oMath>
                   </m:oMathPara>
                 </a14:m>
-                <a:endParaRPr lang="de-DE" sz="4000" b="1" i="1" dirty="0">
+                <a:endParaRPr lang="de-DE" sz="4000" b="1" dirty="0">
                   <a:solidFill>
                     <a:sysClr val="windowText" lastClr="000000"/>
                   </a:solidFill>
@@ -8161,7 +8164,7 @@
             </p:txBody>
           </p:sp>
         </mc:Choice>
-        <mc:Fallback xmlns="">
+        <mc:Fallback>
           <p:sp>
             <p:nvSpPr>
               <p:cNvPr id="27" name="Rechteck 26"/>
@@ -8205,8 +8208,8 @@
           </p:sp>
         </mc:Fallback>
       </mc:AlternateContent>
-      <mc:AlternateContent xmlns:mc="http://schemas.openxmlformats.org/markup-compatibility/2006" xmlns:a14="http://schemas.microsoft.com/office/drawing/2010/main">
-        <mc:Choice Requires="a14">
+      <mc:AlternateContent xmlns:mc="http://schemas.openxmlformats.org/markup-compatibility/2006">
+        <mc:Choice xmlns:a14="http://schemas.microsoft.com/office/drawing/2010/main" Requires="a14">
           <p:sp>
             <p:nvSpPr>
               <p:cNvPr id="28" name="Rechteck 27"/>
@@ -8260,7 +8263,7 @@
                       <m:f>
                         <m:fPr>
                           <m:ctrlPr>
-                            <a:rPr lang="de-DE" sz="2000" b="1" i="1" smtClean="0">
+                            <a:rPr lang="de-DE" sz="2000" b="1" smtClean="0">
                               <a:solidFill>
                                 <a:sysClr val="windowText" lastClr="000000"/>
                               </a:solidFill>
@@ -8270,16 +8273,16 @@
                         </m:fPr>
                         <m:num>
                           <m:r>
-                            <a:rPr lang="de-DE" sz="2000" b="1" i="1" smtClean="0">
+                            <a:rPr lang="de-DE" sz="2000" b="1" i="0" smtClean="0">
                               <a:solidFill>
                                 <a:sysClr val="windowText" lastClr="000000"/>
                               </a:solidFill>
                               <a:latin typeface="Cambria Math" panose="02040503050406030204" pitchFamily="18" charset="0"/>
                             </a:rPr>
-                            <m:t>𝝉</m:t>
+                            <m:t>𝛕</m:t>
                           </m:r>
                           <m:r>
-                            <a:rPr lang="de-DE" sz="2000" b="1" i="1" smtClean="0">
+                            <a:rPr lang="de-DE" sz="2000" b="1" i="0" smtClean="0">
                               <a:solidFill>
                                 <a:sysClr val="windowText" lastClr="000000"/>
                               </a:solidFill>
@@ -8288,27 +8291,27 @@
                             <m:t>⋅</m:t>
                           </m:r>
                           <m:r>
-                            <a:rPr lang="de-DE" sz="2000" b="1" i="1" smtClean="0">
+                            <a:rPr lang="de-DE" sz="2000" b="1" i="0" smtClean="0">
                               <a:solidFill>
                                 <a:sysClr val="windowText" lastClr="000000"/>
                               </a:solidFill>
                               <a:latin typeface="Cambria Math" panose="02040503050406030204" pitchFamily="18" charset="0"/>
                             </a:rPr>
-                            <m:t>𝒔</m:t>
+                            <m:t>𝐬</m:t>
                           </m:r>
                         </m:num>
                         <m:den>
                           <m:r>
-                            <a:rPr lang="de-DE" sz="2000" b="1" i="1" smtClean="0">
+                            <a:rPr lang="de-DE" sz="2000" b="1" i="0" smtClean="0">
                               <a:solidFill>
                                 <a:sysClr val="windowText" lastClr="000000"/>
                               </a:solidFill>
                               <a:latin typeface="Cambria Math" panose="02040503050406030204" pitchFamily="18" charset="0"/>
                             </a:rPr>
-                            <m:t>𝝉</m:t>
+                            <m:t>𝛕</m:t>
                           </m:r>
                           <m:r>
-                            <a:rPr lang="de-DE" sz="2000" b="1" i="1" smtClean="0">
+                            <a:rPr lang="de-DE" sz="2000" b="1" i="0" smtClean="0">
                               <a:solidFill>
                                 <a:sysClr val="windowText" lastClr="000000"/>
                               </a:solidFill>
@@ -8317,16 +8320,16 @@
                             <m:t>⋅</m:t>
                           </m:r>
                           <m:r>
-                            <a:rPr lang="de-DE" sz="2000" b="1" i="1" smtClean="0">
+                            <a:rPr lang="de-DE" sz="2000" b="1" i="0" smtClean="0">
                               <a:solidFill>
                                 <a:sysClr val="windowText" lastClr="000000"/>
                               </a:solidFill>
                               <a:latin typeface="Cambria Math" panose="02040503050406030204" pitchFamily="18" charset="0"/>
                             </a:rPr>
-                            <m:t>𝒔</m:t>
+                            <m:t>𝐬</m:t>
                           </m:r>
                           <m:r>
-                            <a:rPr lang="de-DE" sz="2000" b="1" i="1" smtClean="0">
+                            <a:rPr lang="de-DE" sz="2000" b="1" i="0" smtClean="0">
                               <a:solidFill>
                                 <a:sysClr val="windowText" lastClr="000000"/>
                               </a:solidFill>
@@ -8335,7 +8338,7 @@
                             <m:t>+</m:t>
                           </m:r>
                           <m:r>
-                            <a:rPr lang="de-DE" sz="2000" b="1" i="1" smtClean="0">
+                            <a:rPr lang="de-DE" sz="2000" b="1" i="0" smtClean="0">
                               <a:solidFill>
                                 <a:sysClr val="windowText" lastClr="000000"/>
                               </a:solidFill>
@@ -8348,7 +8351,7 @@
                     </m:oMath>
                   </m:oMathPara>
                 </a14:m>
-                <a:endParaRPr lang="de-DE" sz="4000" b="1" i="1" dirty="0">
+                <a:endParaRPr lang="de-DE" sz="4000" b="1" dirty="0">
                   <a:solidFill>
                     <a:sysClr val="windowText" lastClr="000000"/>
                   </a:solidFill>
@@ -8357,7 +8360,7 @@
             </p:txBody>
           </p:sp>
         </mc:Choice>
-        <mc:Fallback xmlns="">
+        <mc:Fallback>
           <p:sp>
             <p:nvSpPr>
               <p:cNvPr id="28" name="Rechteck 27"/>
@@ -8478,8 +8481,8 @@
           </a:fontRef>
         </p:style>
       </p:cxnSp>
-      <mc:AlternateContent xmlns:mc="http://schemas.openxmlformats.org/markup-compatibility/2006">
-        <mc:Choice xmlns:a14="http://schemas.microsoft.com/office/drawing/2010/main" Requires="a14">
+      <mc:AlternateContent xmlns:mc="http://schemas.openxmlformats.org/markup-compatibility/2006" xmlns:a14="http://schemas.microsoft.com/office/drawing/2010/main">
+        <mc:Choice Requires="a14">
           <p:sp>
             <p:nvSpPr>
               <p:cNvPr id="38" name="Textfeld 37"/>
@@ -8560,7 +8563,7 @@
             </p:txBody>
           </p:sp>
         </mc:Choice>
-        <mc:Fallback>
+        <mc:Fallback xmlns="">
           <p:sp>
             <p:nvSpPr>
               <p:cNvPr id="38" name="Textfeld 37"/>
